--- a/3aAPC/DUK/Github.pptx
+++ b/3aAPC/DUK/Github.pptx
@@ -17,8 +17,8 @@
     <p:sldId id="264" r:id="rId5"/>
     <p:sldId id="265" r:id="rId6"/>
     <p:sldId id="267" r:id="rId7"/>
-    <p:sldId id="269" r:id="rId8"/>
-    <p:sldId id="268" r:id="rId9"/>
+    <p:sldId id="268" r:id="rId8"/>
+    <p:sldId id="269" r:id="rId9"/>
     <p:sldId id="270" r:id="rId10"/>
     <p:sldId id="266" r:id="rId11"/>
     <p:sldId id="260" r:id="rId12"/>
@@ -227,7 +227,7 @@
             <a:pPr rtl="0"/>
             <a:fld id="{754A2EA4-0B56-441C-A9D3-5AD09C9F1422}" type="datetime1">
               <a:rPr lang="de-DE" smtClean="0"/>
-              <a:t>01.03.2022</a:t>
+              <a:t>05.03.2022</a:t>
             </a:fld>
             <a:endParaRPr lang="de-DE"/>
           </a:p>
@@ -409,7 +409,7 @@
             <a:fld id="{01B085CE-6145-404E-B599-68FDF26648DF}" type="datetime1">
               <a:rPr lang="de-DE" smtClean="0"/>
               <a:pPr/>
-              <a:t>01.03.2022</a:t>
+              <a:t>05.03.2022</a:t>
             </a:fld>
             <a:endParaRPr lang="de-DE" dirty="0"/>
           </a:p>
@@ -1268,7 +1268,7 @@
             <a:pPr rtl="0"/>
             <a:fld id="{CAC03BF4-324D-444B-B2B4-5879EFE83EC5}" type="datetime1">
               <a:rPr lang="de-DE" noProof="0" smtClean="0"/>
-              <a:t>01.03.2022</a:t>
+              <a:t>05.03.2022</a:t>
             </a:fld>
             <a:endParaRPr lang="de-DE" noProof="0"/>
           </a:p>
@@ -1533,7 +1533,7 @@
             <a:pPr rtl="0"/>
             <a:fld id="{6714D70A-F3C5-4A6E-9522-4175BD08EA7F}" type="datetime1">
               <a:rPr lang="de-DE" noProof="0" smtClean="0"/>
-              <a:t>01.03.2022</a:t>
+              <a:t>05.03.2022</a:t>
             </a:fld>
             <a:endParaRPr lang="de-DE" noProof="0"/>
           </a:p>
@@ -1771,7 +1771,7 @@
             <a:pPr rtl="0"/>
             <a:fld id="{E4688D79-9856-49D3-A6E5-0DDD62E7F21D}" type="datetime1">
               <a:rPr lang="de-DE" noProof="0" smtClean="0"/>
-              <a:t>01.03.2022</a:t>
+              <a:t>05.03.2022</a:t>
             </a:fld>
             <a:endParaRPr lang="de-DE" noProof="0"/>
           </a:p>
@@ -2014,7 +2014,7 @@
             <a:pPr rtl="0"/>
             <a:fld id="{5BDE1979-03AF-4780-AA12-4B63DE69AC45}" type="datetime1">
               <a:rPr lang="de-DE" noProof="0" smtClean="0"/>
-              <a:t>01.03.2022</a:t>
+              <a:t>05.03.2022</a:t>
             </a:fld>
             <a:endParaRPr lang="de-DE" noProof="0"/>
           </a:p>
@@ -2325,7 +2325,7 @@
             <a:pPr rtl="0"/>
             <a:fld id="{5D6A1D9F-0411-49EB-8C99-09648CED7900}" type="datetime1">
               <a:rPr lang="de-DE" noProof="0" smtClean="0"/>
-              <a:t>01.03.2022</a:t>
+              <a:t>05.03.2022</a:t>
             </a:fld>
             <a:endParaRPr lang="de-DE" noProof="0"/>
           </a:p>
@@ -2629,7 +2629,7 @@
             <a:pPr rtl="0"/>
             <a:fld id="{97277A7A-EAFE-4BD9-883A-190BF6213361}" type="datetime1">
               <a:rPr lang="de-DE" noProof="0" smtClean="0"/>
-              <a:t>01.03.2022</a:t>
+              <a:t>05.03.2022</a:t>
             </a:fld>
             <a:endParaRPr lang="de-DE" noProof="0"/>
           </a:p>
@@ -3053,7 +3053,7 @@
             <a:pPr rtl="0"/>
             <a:fld id="{5B7AF743-5D3F-4201-BC3F-6547FAFA22B9}" type="datetime1">
               <a:rPr lang="de-DE" noProof="0" smtClean="0"/>
-              <a:t>01.03.2022</a:t>
+              <a:t>05.03.2022</a:t>
             </a:fld>
             <a:endParaRPr lang="de-DE" noProof="0"/>
           </a:p>
@@ -3152,7 +3152,7 @@
             <a:pPr rtl="0"/>
             <a:fld id="{72D69A12-2F55-4BC0-8DE6-9A20F0D713DC}" type="datetime1">
               <a:rPr lang="de-DE" noProof="0" smtClean="0"/>
-              <a:t>01.03.2022</a:t>
+              <a:t>05.03.2022</a:t>
             </a:fld>
             <a:endParaRPr lang="de-DE" noProof="0"/>
           </a:p>
@@ -3318,7 +3318,7 @@
             <a:pPr rtl="0"/>
             <a:fld id="{6112B84F-57B3-4CC5-9030-860002DF7D30}" type="datetime1">
               <a:rPr lang="de-DE" noProof="0" smtClean="0"/>
-              <a:t>01.03.2022</a:t>
+              <a:t>05.03.2022</a:t>
             </a:fld>
             <a:endParaRPr lang="de-DE" noProof="0"/>
           </a:p>
@@ -3699,7 +3699,7 @@
             <a:pPr rtl="0"/>
             <a:fld id="{879E7381-8FDF-40EE-9279-25401C84A40A}" type="datetime1">
               <a:rPr lang="de-DE" noProof="0" smtClean="0"/>
-              <a:t>01.03.2022</a:t>
+              <a:t>05.03.2022</a:t>
             </a:fld>
             <a:endParaRPr lang="de-DE" noProof="0" dirty="0"/>
           </a:p>
@@ -3992,7 +3992,7 @@
             <a:pPr rtl="0"/>
             <a:fld id="{B1189B38-3700-4F31-B929-FDC2A865E208}" type="datetime1">
               <a:rPr lang="de-DE" noProof="0" smtClean="0"/>
-              <a:t>01.03.2022</a:t>
+              <a:t>05.03.2022</a:t>
             </a:fld>
             <a:endParaRPr lang="de-DE" noProof="0"/>
           </a:p>
@@ -4206,7 +4206,7 @@
             <a:pPr rtl="0"/>
             <a:fld id="{43214D96-B3C8-4F1E-B664-5DE2819FAB83}" type="datetime1">
               <a:rPr lang="de-DE" noProof="0" smtClean="0"/>
-              <a:t>01.03.2022</a:t>
+              <a:t>05.03.2022</a:t>
             </a:fld>
             <a:endParaRPr lang="de-DE" noProof="0" dirty="0"/>
           </a:p>
@@ -6144,7 +6144,7 @@
           <a:p>
             <a:r>
               <a:rPr lang="de-AT" sz="2300" dirty="0"/>
-              <a:t>15. November</a:t>
+              <a:t>15. November 2021</a:t>
             </a:r>
           </a:p>
           <a:p>
@@ -6709,7 +6709,7 @@
           <p:cNvPr id="2" name="Titel 1">
             <a:extLst>
               <a:ext uri="{FF2B5EF4-FFF2-40B4-BE49-F238E27FC236}">
-                <a16:creationId xmlns:a16="http://schemas.microsoft.com/office/drawing/2014/main" id="{8133540D-D818-4C84-A45C-8CA3CA669807}"/>
+                <a16:creationId xmlns:a16="http://schemas.microsoft.com/office/drawing/2014/main" id="{9D855E14-5705-40FC-BFAE-A21F2C419CFA}"/>
               </a:ext>
             </a:extLst>
           </p:cNvPr>
@@ -6726,16 +6726,8 @@
           <a:lstStyle/>
           <a:p>
             <a:r>
-              <a:rPr lang="de-DE" dirty="0" err="1"/>
-              <a:t>Github</a:t>
-            </a:r>
-            <a:r>
               <a:rPr lang="de-DE" dirty="0"/>
-              <a:t> </a:t>
-            </a:r>
-            <a:r>
-              <a:rPr lang="de-DE" dirty="0" err="1"/>
-              <a:t>desktop</a:t>
+              <a:t>Wichtigste befehle</a:t>
             </a:r>
             <a:endParaRPr lang="de-AT" dirty="0"/>
           </a:p>
@@ -6746,7 +6738,7 @@
           <p:cNvPr id="3" name="Inhaltsplatzhalter 2">
             <a:extLst>
               <a:ext uri="{FF2B5EF4-FFF2-40B4-BE49-F238E27FC236}">
-                <a16:creationId xmlns:a16="http://schemas.microsoft.com/office/drawing/2014/main" id="{B6F4A607-9F39-40EE-8D59-C19CBF35AB1D}"/>
+                <a16:creationId xmlns:a16="http://schemas.microsoft.com/office/drawing/2014/main" id="{B4D3C100-48D5-4AA4-B2AE-FD23478AEDA9}"/>
               </a:ext>
             </a:extLst>
           </p:cNvPr>
@@ -6764,16 +6756,45 @@
           <a:p>
             <a:r>
               <a:rPr lang="de-DE" dirty="0"/>
-              <a:t>Demonstration</a:t>
-            </a:r>
-            <a:endParaRPr lang="de-AT" dirty="0"/>
+              <a:t>Clone</a:t>
+            </a:r>
+          </a:p>
+          <a:p>
+            <a:r>
+              <a:rPr lang="de-DE" dirty="0"/>
+              <a:t>Pull</a:t>
+            </a:r>
+          </a:p>
+          <a:p>
+            <a:r>
+              <a:rPr lang="de-DE" dirty="0"/>
+              <a:t>Push</a:t>
+            </a:r>
+          </a:p>
+          <a:p>
+            <a:r>
+              <a:rPr lang="de-DE" dirty="0"/>
+              <a:t>Commit</a:t>
+            </a:r>
+          </a:p>
+          <a:p>
+            <a:r>
+              <a:rPr lang="de-DE" dirty="0"/>
+              <a:t>Branch</a:t>
+            </a:r>
+          </a:p>
+          <a:p>
+            <a:r>
+              <a:rPr lang="de-DE" dirty="0"/>
+              <a:t>Status</a:t>
+            </a:r>
           </a:p>
         </p:txBody>
       </p:sp>
     </p:spTree>
     <p:extLst>
       <p:ext uri="{BB962C8B-B14F-4D97-AF65-F5344CB8AC3E}">
-        <p14:creationId xmlns:p14="http://schemas.microsoft.com/office/powerpoint/2010/main" val="450999110"/>
+        <p14:creationId xmlns:p14="http://schemas.microsoft.com/office/powerpoint/2010/main" val="2371021652"/>
       </p:ext>
     </p:extLst>
   </p:cSld>
@@ -6805,7 +6826,7 @@
           <p:cNvPr id="2" name="Titel 1">
             <a:extLst>
               <a:ext uri="{FF2B5EF4-FFF2-40B4-BE49-F238E27FC236}">
-                <a16:creationId xmlns:a16="http://schemas.microsoft.com/office/drawing/2014/main" id="{9D855E14-5705-40FC-BFAE-A21F2C419CFA}"/>
+                <a16:creationId xmlns:a16="http://schemas.microsoft.com/office/drawing/2014/main" id="{8133540D-D818-4C84-A45C-8CA3CA669807}"/>
               </a:ext>
             </a:extLst>
           </p:cNvPr>
@@ -6822,8 +6843,16 @@
           <a:lstStyle/>
           <a:p>
             <a:r>
+              <a:rPr lang="de-DE" dirty="0" err="1"/>
+              <a:t>Github</a:t>
+            </a:r>
+            <a:r>
               <a:rPr lang="de-DE" dirty="0"/>
-              <a:t>Wichtigste befehle</a:t>
+              <a:t> </a:t>
+            </a:r>
+            <a:r>
+              <a:rPr lang="de-DE" dirty="0" err="1"/>
+              <a:t>desktop</a:t>
             </a:r>
             <a:endParaRPr lang="de-AT" dirty="0"/>
           </a:p>
@@ -6834,7 +6863,7 @@
           <p:cNvPr id="3" name="Inhaltsplatzhalter 2">
             <a:extLst>
               <a:ext uri="{FF2B5EF4-FFF2-40B4-BE49-F238E27FC236}">
-                <a16:creationId xmlns:a16="http://schemas.microsoft.com/office/drawing/2014/main" id="{B4D3C100-48D5-4AA4-B2AE-FD23478AEDA9}"/>
+                <a16:creationId xmlns:a16="http://schemas.microsoft.com/office/drawing/2014/main" id="{B6F4A607-9F39-40EE-8D59-C19CBF35AB1D}"/>
               </a:ext>
             </a:extLst>
           </p:cNvPr>
@@ -6852,45 +6881,16 @@
           <a:p>
             <a:r>
               <a:rPr lang="de-DE" dirty="0"/>
-              <a:t>Clone</a:t>
-            </a:r>
-          </a:p>
-          <a:p>
-            <a:r>
-              <a:rPr lang="de-DE" dirty="0"/>
-              <a:t>Pull</a:t>
-            </a:r>
-          </a:p>
-          <a:p>
-            <a:r>
-              <a:rPr lang="de-DE" dirty="0"/>
-              <a:t>Push</a:t>
-            </a:r>
-          </a:p>
-          <a:p>
-            <a:r>
-              <a:rPr lang="de-DE" dirty="0"/>
-              <a:t>Commit</a:t>
-            </a:r>
-          </a:p>
-          <a:p>
-            <a:r>
-              <a:rPr lang="de-DE" dirty="0"/>
-              <a:t>Branch</a:t>
-            </a:r>
-          </a:p>
-          <a:p>
-            <a:r>
-              <a:rPr lang="de-DE" dirty="0"/>
-              <a:t>Status</a:t>
-            </a:r>
+              <a:t>Demonstration</a:t>
+            </a:r>
+            <a:endParaRPr lang="de-AT" dirty="0"/>
           </a:p>
         </p:txBody>
       </p:sp>
     </p:spTree>
     <p:extLst>
       <p:ext uri="{BB962C8B-B14F-4D97-AF65-F5344CB8AC3E}">
-        <p14:creationId xmlns:p14="http://schemas.microsoft.com/office/powerpoint/2010/main" val="2371021652"/>
+        <p14:creationId xmlns:p14="http://schemas.microsoft.com/office/powerpoint/2010/main" val="450999110"/>
       </p:ext>
     </p:extLst>
   </p:cSld>

--- a/3aAPC/DUK/Github.pptx
+++ b/3aAPC/DUK/Github.pptx
@@ -227,7 +227,7 @@
             <a:pPr rtl="0"/>
             <a:fld id="{754A2EA4-0B56-441C-A9D3-5AD09C9F1422}" type="datetime1">
               <a:rPr lang="de-DE" smtClean="0"/>
-              <a:t>05.03.2022</a:t>
+              <a:t>06.03.2022</a:t>
             </a:fld>
             <a:endParaRPr lang="de-DE"/>
           </a:p>

--- a/3aAPC/DUK/Github.pptx
+++ b/3aAPC/DUK/Github.pptx
@@ -16,9 +16,9 @@
     <p:sldId id="262" r:id="rId4"/>
     <p:sldId id="264" r:id="rId5"/>
     <p:sldId id="265" r:id="rId6"/>
-    <p:sldId id="267" r:id="rId7"/>
-    <p:sldId id="268" r:id="rId8"/>
-    <p:sldId id="269" r:id="rId9"/>
+    <p:sldId id="268" r:id="rId7"/>
+    <p:sldId id="269" r:id="rId8"/>
+    <p:sldId id="267" r:id="rId9"/>
     <p:sldId id="270" r:id="rId10"/>
     <p:sldId id="266" r:id="rId11"/>
     <p:sldId id="260" r:id="rId12"/>
@@ -227,7 +227,7 @@
             <a:pPr rtl="0"/>
             <a:fld id="{754A2EA4-0B56-441C-A9D3-5AD09C9F1422}" type="datetime1">
               <a:rPr lang="de-DE" smtClean="0"/>
-              <a:t>06.03.2022</a:t>
+              <a:t>08.03.2022</a:t>
             </a:fld>
             <a:endParaRPr lang="de-DE"/>
           </a:p>
@@ -409,7 +409,7 @@
             <a:fld id="{01B085CE-6145-404E-B599-68FDF26648DF}" type="datetime1">
               <a:rPr lang="de-DE" smtClean="0"/>
               <a:pPr/>
-              <a:t>05.03.2022</a:t>
+              <a:t>08.03.2022</a:t>
             </a:fld>
             <a:endParaRPr lang="de-DE" dirty="0"/>
           </a:p>
@@ -1268,7 +1268,7 @@
             <a:pPr rtl="0"/>
             <a:fld id="{CAC03BF4-324D-444B-B2B4-5879EFE83EC5}" type="datetime1">
               <a:rPr lang="de-DE" noProof="0" smtClean="0"/>
-              <a:t>05.03.2022</a:t>
+              <a:t>08.03.2022</a:t>
             </a:fld>
             <a:endParaRPr lang="de-DE" noProof="0"/>
           </a:p>
@@ -1533,7 +1533,7 @@
             <a:pPr rtl="0"/>
             <a:fld id="{6714D70A-F3C5-4A6E-9522-4175BD08EA7F}" type="datetime1">
               <a:rPr lang="de-DE" noProof="0" smtClean="0"/>
-              <a:t>05.03.2022</a:t>
+              <a:t>08.03.2022</a:t>
             </a:fld>
             <a:endParaRPr lang="de-DE" noProof="0"/>
           </a:p>
@@ -1771,7 +1771,7 @@
             <a:pPr rtl="0"/>
             <a:fld id="{E4688D79-9856-49D3-A6E5-0DDD62E7F21D}" type="datetime1">
               <a:rPr lang="de-DE" noProof="0" smtClean="0"/>
-              <a:t>05.03.2022</a:t>
+              <a:t>08.03.2022</a:t>
             </a:fld>
             <a:endParaRPr lang="de-DE" noProof="0"/>
           </a:p>
@@ -2014,7 +2014,7 @@
             <a:pPr rtl="0"/>
             <a:fld id="{5BDE1979-03AF-4780-AA12-4B63DE69AC45}" type="datetime1">
               <a:rPr lang="de-DE" noProof="0" smtClean="0"/>
-              <a:t>05.03.2022</a:t>
+              <a:t>08.03.2022</a:t>
             </a:fld>
             <a:endParaRPr lang="de-DE" noProof="0"/>
           </a:p>
@@ -2325,7 +2325,7 @@
             <a:pPr rtl="0"/>
             <a:fld id="{5D6A1D9F-0411-49EB-8C99-09648CED7900}" type="datetime1">
               <a:rPr lang="de-DE" noProof="0" smtClean="0"/>
-              <a:t>05.03.2022</a:t>
+              <a:t>08.03.2022</a:t>
             </a:fld>
             <a:endParaRPr lang="de-DE" noProof="0"/>
           </a:p>
@@ -2629,7 +2629,7 @@
             <a:pPr rtl="0"/>
             <a:fld id="{97277A7A-EAFE-4BD9-883A-190BF6213361}" type="datetime1">
               <a:rPr lang="de-DE" noProof="0" smtClean="0"/>
-              <a:t>05.03.2022</a:t>
+              <a:t>08.03.2022</a:t>
             </a:fld>
             <a:endParaRPr lang="de-DE" noProof="0"/>
           </a:p>
@@ -3053,7 +3053,7 @@
             <a:pPr rtl="0"/>
             <a:fld id="{5B7AF743-5D3F-4201-BC3F-6547FAFA22B9}" type="datetime1">
               <a:rPr lang="de-DE" noProof="0" smtClean="0"/>
-              <a:t>05.03.2022</a:t>
+              <a:t>08.03.2022</a:t>
             </a:fld>
             <a:endParaRPr lang="de-DE" noProof="0"/>
           </a:p>
@@ -3152,7 +3152,7 @@
             <a:pPr rtl="0"/>
             <a:fld id="{72D69A12-2F55-4BC0-8DE6-9A20F0D713DC}" type="datetime1">
               <a:rPr lang="de-DE" noProof="0" smtClean="0"/>
-              <a:t>05.03.2022</a:t>
+              <a:t>08.03.2022</a:t>
             </a:fld>
             <a:endParaRPr lang="de-DE" noProof="0"/>
           </a:p>
@@ -3318,7 +3318,7 @@
             <a:pPr rtl="0"/>
             <a:fld id="{6112B84F-57B3-4CC5-9030-860002DF7D30}" type="datetime1">
               <a:rPr lang="de-DE" noProof="0" smtClean="0"/>
-              <a:t>05.03.2022</a:t>
+              <a:t>08.03.2022</a:t>
             </a:fld>
             <a:endParaRPr lang="de-DE" noProof="0"/>
           </a:p>
@@ -3699,7 +3699,7 @@
             <a:pPr rtl="0"/>
             <a:fld id="{879E7381-8FDF-40EE-9279-25401C84A40A}" type="datetime1">
               <a:rPr lang="de-DE" noProof="0" smtClean="0"/>
-              <a:t>05.03.2022</a:t>
+              <a:t>08.03.2022</a:t>
             </a:fld>
             <a:endParaRPr lang="de-DE" noProof="0" dirty="0"/>
           </a:p>
@@ -3992,7 +3992,7 @@
             <a:pPr rtl="0"/>
             <a:fld id="{B1189B38-3700-4F31-B929-FDC2A865E208}" type="datetime1">
               <a:rPr lang="de-DE" noProof="0" smtClean="0"/>
-              <a:t>05.03.2022</a:t>
+              <a:t>08.03.2022</a:t>
             </a:fld>
             <a:endParaRPr lang="de-DE" noProof="0"/>
           </a:p>
@@ -4206,7 +4206,7 @@
             <a:pPr rtl="0"/>
             <a:fld id="{43214D96-B3C8-4F1E-B664-5DE2819FAB83}" type="datetime1">
               <a:rPr lang="de-DE" noProof="0" smtClean="0"/>
-              <a:t>05.03.2022</a:t>
+              <a:t>08.03.2022</a:t>
             </a:fld>
             <a:endParaRPr lang="de-DE" noProof="0" dirty="0"/>
           </a:p>
@@ -5945,7 +5945,7 @@
         <p:spPr/>
         <p:txBody>
           <a:bodyPr>
-            <a:normAutofit fontScale="85000" lnSpcReduction="20000"/>
+            <a:normAutofit lnSpcReduction="10000"/>
           </a:bodyPr>
           <a:lstStyle/>
           <a:p>
@@ -6024,29 +6024,6 @@
               <a:rPr lang="de-DE" sz="2200" dirty="0"/>
               <a:t> €)</a:t>
             </a:r>
-          </a:p>
-          <a:p>
-            <a:r>
-              <a:rPr lang="de-DE" sz="2200" dirty="0"/>
-              <a:t>Oktober 2018 </a:t>
-            </a:r>
-            <a:r>
-              <a:rPr lang="de-DE" sz="2200" dirty="0" err="1"/>
-              <a:t>übernahme</a:t>
-            </a:r>
-            <a:r>
-              <a:rPr lang="de-DE" sz="2200" dirty="0"/>
-              <a:t> von Microsoft für 7,5 </a:t>
-            </a:r>
-            <a:r>
-              <a:rPr lang="de-DE" sz="2200" dirty="0" err="1"/>
-              <a:t>Mrd</a:t>
-            </a:r>
-            <a:r>
-              <a:rPr lang="de-DE" sz="2200" dirty="0"/>
-              <a:t>$</a:t>
-            </a:r>
-            <a:endParaRPr lang="de-AT" sz="2200" dirty="0"/>
           </a:p>
           <a:p>
             <a:pPr lvl="1"/>
@@ -6073,11 +6050,34 @@
         <p:spPr/>
         <p:txBody>
           <a:bodyPr>
-            <a:normAutofit fontScale="85000" lnSpcReduction="20000"/>
+            <a:normAutofit lnSpcReduction="10000"/>
           </a:bodyPr>
           <a:lstStyle/>
           <a:p>
             <a:r>
+              <a:rPr lang="de-DE" sz="2400" dirty="0"/>
+              <a:t>Oktober 2018 </a:t>
+            </a:r>
+            <a:r>
+              <a:rPr lang="de-DE" sz="2400" dirty="0" err="1"/>
+              <a:t>übernahme</a:t>
+            </a:r>
+            <a:r>
+              <a:rPr lang="de-DE" sz="2400" dirty="0"/>
+              <a:t> von Microsoft für 7,5 </a:t>
+            </a:r>
+            <a:r>
+              <a:rPr lang="de-DE" sz="2400" dirty="0" err="1"/>
+              <a:t>Mrd</a:t>
+            </a:r>
+            <a:r>
+              <a:rPr lang="de-DE" sz="2400" dirty="0"/>
+              <a:t>$</a:t>
+            </a:r>
+            <a:endParaRPr lang="de-AT" sz="2400" dirty="0"/>
+          </a:p>
+          <a:p>
+            <a:r>
               <a:rPr lang="de-AT" sz="2400" dirty="0"/>
               <a:t>Trotz </a:t>
             </a:r>
@@ -6089,56 +6089,6 @@
               <a:rPr lang="de-AT" sz="2400" dirty="0"/>
               <a:t> bleibt GitHub unabhängig</a:t>
             </a:r>
-          </a:p>
-          <a:p>
-            <a:r>
-              <a:rPr lang="de-AT" sz="2400" dirty="0"/>
-              <a:t>2018 </a:t>
-            </a:r>
-          </a:p>
-          <a:p>
-            <a:pPr lvl="1"/>
-            <a:r>
-              <a:rPr lang="de-AT" sz="2100" dirty="0" err="1"/>
-              <a:t>übernahme</a:t>
-            </a:r>
-            <a:r>
-              <a:rPr lang="de-AT" sz="2100" dirty="0"/>
-              <a:t> von </a:t>
-            </a:r>
-            <a:r>
-              <a:rPr lang="de-AT" sz="2100" dirty="0" err="1"/>
-              <a:t>Spectrum</a:t>
-            </a:r>
-            <a:r>
-              <a:rPr lang="de-AT" sz="2100" dirty="0"/>
-              <a:t> ( skalierbare Chat Lösung)</a:t>
-            </a:r>
-          </a:p>
-          <a:p>
-            <a:pPr lvl="1"/>
-            <a:r>
-              <a:rPr lang="de-AT" sz="2100" dirty="0"/>
-              <a:t>Übernahme von </a:t>
-            </a:r>
-            <a:r>
-              <a:rPr lang="de-AT" sz="2100" dirty="0" err="1"/>
-              <a:t>Dependabot</a:t>
-            </a:r>
-            <a:r>
-              <a:rPr lang="de-AT" sz="2100" dirty="0"/>
-              <a:t> </a:t>
-            </a:r>
-          </a:p>
-          <a:p>
-            <a:pPr lvl="1"/>
-            <a:r>
-              <a:rPr lang="de-AT" sz="2100" dirty="0"/>
-              <a:t>Übernahme von Pull-Panda</a:t>
-            </a:r>
-          </a:p>
-          <a:p>
-            <a:pPr lvl="1"/>
             <a:endParaRPr lang="de-AT" sz="2100" dirty="0"/>
           </a:p>
           <a:p>
@@ -6177,6 +6127,489 @@
   <p:clrMapOvr>
     <a:masterClrMapping/>
   </p:clrMapOvr>
+  <p:timing>
+    <p:tnLst>
+      <p:par>
+        <p:cTn id="1" dur="indefinite" restart="never" nodeType="tmRoot">
+          <p:childTnLst>
+            <p:seq concurrent="1" nextAc="seek">
+              <p:cTn id="2" dur="indefinite" nodeType="mainSeq">
+                <p:childTnLst>
+                  <p:par>
+                    <p:cTn id="3" fill="hold">
+                      <p:stCondLst>
+                        <p:cond delay="indefinite"/>
+                      </p:stCondLst>
+                      <p:childTnLst>
+                        <p:par>
+                          <p:cTn id="4" fill="hold">
+                            <p:stCondLst>
+                              <p:cond delay="0"/>
+                            </p:stCondLst>
+                            <p:childTnLst>
+                              <p:par>
+                                <p:cTn id="5" presetID="1" presetClass="entr" presetSubtype="0" fill="hold" grpId="0" nodeType="clickEffect">
+                                  <p:stCondLst>
+                                    <p:cond delay="0"/>
+                                  </p:stCondLst>
+                                  <p:childTnLst>
+                                    <p:set>
+                                      <p:cBhvr>
+                                        <p:cTn id="6" dur="1" fill="hold">
+                                          <p:stCondLst>
+                                            <p:cond delay="0"/>
+                                          </p:stCondLst>
+                                        </p:cTn>
+                                        <p:tgtEl>
+                                          <p:spTgt spid="8">
+                                            <p:txEl>
+                                              <p:pRg st="0" end="0"/>
+                                            </p:txEl>
+                                          </p:spTgt>
+                                        </p:tgtEl>
+                                        <p:attrNameLst>
+                                          <p:attrName>style.visibility</p:attrName>
+                                        </p:attrNameLst>
+                                      </p:cBhvr>
+                                      <p:to>
+                                        <p:strVal val="visible"/>
+                                      </p:to>
+                                    </p:set>
+                                  </p:childTnLst>
+                                </p:cTn>
+                              </p:par>
+                            </p:childTnLst>
+                          </p:cTn>
+                        </p:par>
+                      </p:childTnLst>
+                    </p:cTn>
+                  </p:par>
+                  <p:par>
+                    <p:cTn id="7" fill="hold">
+                      <p:stCondLst>
+                        <p:cond delay="indefinite"/>
+                      </p:stCondLst>
+                      <p:childTnLst>
+                        <p:par>
+                          <p:cTn id="8" fill="hold">
+                            <p:stCondLst>
+                              <p:cond delay="0"/>
+                            </p:stCondLst>
+                            <p:childTnLst>
+                              <p:par>
+                                <p:cTn id="9" presetID="1" presetClass="entr" presetSubtype="0" fill="hold" grpId="0" nodeType="clickEffect">
+                                  <p:stCondLst>
+                                    <p:cond delay="0"/>
+                                  </p:stCondLst>
+                                  <p:childTnLst>
+                                    <p:set>
+                                      <p:cBhvr>
+                                        <p:cTn id="10" dur="1" fill="hold">
+                                          <p:stCondLst>
+                                            <p:cond delay="0"/>
+                                          </p:stCondLst>
+                                        </p:cTn>
+                                        <p:tgtEl>
+                                          <p:spTgt spid="8">
+                                            <p:txEl>
+                                              <p:pRg st="1" end="1"/>
+                                            </p:txEl>
+                                          </p:spTgt>
+                                        </p:tgtEl>
+                                        <p:attrNameLst>
+                                          <p:attrName>style.visibility</p:attrName>
+                                        </p:attrNameLst>
+                                      </p:cBhvr>
+                                      <p:to>
+                                        <p:strVal val="visible"/>
+                                      </p:to>
+                                    </p:set>
+                                  </p:childTnLst>
+                                </p:cTn>
+                              </p:par>
+                              <p:par>
+                                <p:cTn id="11" presetID="1" presetClass="entr" presetSubtype="0" fill="hold" grpId="0" nodeType="withEffect">
+                                  <p:stCondLst>
+                                    <p:cond delay="0"/>
+                                  </p:stCondLst>
+                                  <p:childTnLst>
+                                    <p:set>
+                                      <p:cBhvr>
+                                        <p:cTn id="12" dur="1" fill="hold">
+                                          <p:stCondLst>
+                                            <p:cond delay="0"/>
+                                          </p:stCondLst>
+                                        </p:cTn>
+                                        <p:tgtEl>
+                                          <p:spTgt spid="8">
+                                            <p:txEl>
+                                              <p:pRg st="2" end="2"/>
+                                            </p:txEl>
+                                          </p:spTgt>
+                                        </p:tgtEl>
+                                        <p:attrNameLst>
+                                          <p:attrName>style.visibility</p:attrName>
+                                        </p:attrNameLst>
+                                      </p:cBhvr>
+                                      <p:to>
+                                        <p:strVal val="visible"/>
+                                      </p:to>
+                                    </p:set>
+                                  </p:childTnLst>
+                                </p:cTn>
+                              </p:par>
+                              <p:par>
+                                <p:cTn id="13" presetID="1" presetClass="entr" presetSubtype="0" fill="hold" grpId="0" nodeType="withEffect">
+                                  <p:stCondLst>
+                                    <p:cond delay="0"/>
+                                  </p:stCondLst>
+                                  <p:childTnLst>
+                                    <p:set>
+                                      <p:cBhvr>
+                                        <p:cTn id="14" dur="1" fill="hold">
+                                          <p:stCondLst>
+                                            <p:cond delay="0"/>
+                                          </p:stCondLst>
+                                        </p:cTn>
+                                        <p:tgtEl>
+                                          <p:spTgt spid="8">
+                                            <p:txEl>
+                                              <p:pRg st="3" end="3"/>
+                                            </p:txEl>
+                                          </p:spTgt>
+                                        </p:tgtEl>
+                                        <p:attrNameLst>
+                                          <p:attrName>style.visibility</p:attrName>
+                                        </p:attrNameLst>
+                                      </p:cBhvr>
+                                      <p:to>
+                                        <p:strVal val="visible"/>
+                                      </p:to>
+                                    </p:set>
+                                  </p:childTnLst>
+                                </p:cTn>
+                              </p:par>
+                              <p:par>
+                                <p:cTn id="15" presetID="1" presetClass="entr" presetSubtype="0" fill="hold" grpId="0" nodeType="withEffect">
+                                  <p:stCondLst>
+                                    <p:cond delay="0"/>
+                                  </p:stCondLst>
+                                  <p:childTnLst>
+                                    <p:set>
+                                      <p:cBhvr>
+                                        <p:cTn id="16" dur="1" fill="hold">
+                                          <p:stCondLst>
+                                            <p:cond delay="0"/>
+                                          </p:stCondLst>
+                                        </p:cTn>
+                                        <p:tgtEl>
+                                          <p:spTgt spid="8">
+                                            <p:txEl>
+                                              <p:pRg st="4" end="4"/>
+                                            </p:txEl>
+                                          </p:spTgt>
+                                        </p:tgtEl>
+                                        <p:attrNameLst>
+                                          <p:attrName>style.visibility</p:attrName>
+                                        </p:attrNameLst>
+                                      </p:cBhvr>
+                                      <p:to>
+                                        <p:strVal val="visible"/>
+                                      </p:to>
+                                    </p:set>
+                                  </p:childTnLst>
+                                </p:cTn>
+                              </p:par>
+                              <p:par>
+                                <p:cTn id="17" presetID="1" presetClass="entr" presetSubtype="0" fill="hold" grpId="0" nodeType="withEffect">
+                                  <p:stCondLst>
+                                    <p:cond delay="0"/>
+                                  </p:stCondLst>
+                                  <p:childTnLst>
+                                    <p:set>
+                                      <p:cBhvr>
+                                        <p:cTn id="18" dur="1" fill="hold">
+                                          <p:stCondLst>
+                                            <p:cond delay="0"/>
+                                          </p:stCondLst>
+                                        </p:cTn>
+                                        <p:tgtEl>
+                                          <p:spTgt spid="8">
+                                            <p:txEl>
+                                              <p:pRg st="5" end="5"/>
+                                            </p:txEl>
+                                          </p:spTgt>
+                                        </p:tgtEl>
+                                        <p:attrNameLst>
+                                          <p:attrName>style.visibility</p:attrName>
+                                        </p:attrNameLst>
+                                      </p:cBhvr>
+                                      <p:to>
+                                        <p:strVal val="visible"/>
+                                      </p:to>
+                                    </p:set>
+                                  </p:childTnLst>
+                                </p:cTn>
+                              </p:par>
+                            </p:childTnLst>
+                          </p:cTn>
+                        </p:par>
+                      </p:childTnLst>
+                    </p:cTn>
+                  </p:par>
+                  <p:par>
+                    <p:cTn id="19" fill="hold">
+                      <p:stCondLst>
+                        <p:cond delay="indefinite"/>
+                      </p:stCondLst>
+                      <p:childTnLst>
+                        <p:par>
+                          <p:cTn id="20" fill="hold">
+                            <p:stCondLst>
+                              <p:cond delay="0"/>
+                            </p:stCondLst>
+                            <p:childTnLst>
+                              <p:par>
+                                <p:cTn id="21" presetID="1" presetClass="entr" presetSubtype="0" fill="hold" grpId="0" nodeType="clickEffect">
+                                  <p:stCondLst>
+                                    <p:cond delay="0"/>
+                                  </p:stCondLst>
+                                  <p:childTnLst>
+                                    <p:set>
+                                      <p:cBhvr>
+                                        <p:cTn id="22" dur="1" fill="hold">
+                                          <p:stCondLst>
+                                            <p:cond delay="0"/>
+                                          </p:stCondLst>
+                                        </p:cTn>
+                                        <p:tgtEl>
+                                          <p:spTgt spid="8">
+                                            <p:txEl>
+                                              <p:pRg st="6" end="6"/>
+                                            </p:txEl>
+                                          </p:spTgt>
+                                        </p:tgtEl>
+                                        <p:attrNameLst>
+                                          <p:attrName>style.visibility</p:attrName>
+                                        </p:attrNameLst>
+                                      </p:cBhvr>
+                                      <p:to>
+                                        <p:strVal val="visible"/>
+                                      </p:to>
+                                    </p:set>
+                                  </p:childTnLst>
+                                </p:cTn>
+                              </p:par>
+                            </p:childTnLst>
+                          </p:cTn>
+                        </p:par>
+                      </p:childTnLst>
+                    </p:cTn>
+                  </p:par>
+                  <p:par>
+                    <p:cTn id="23" fill="hold">
+                      <p:stCondLst>
+                        <p:cond delay="indefinite"/>
+                      </p:stCondLst>
+                      <p:childTnLst>
+                        <p:par>
+                          <p:cTn id="24" fill="hold">
+                            <p:stCondLst>
+                              <p:cond delay="0"/>
+                            </p:stCondLst>
+                            <p:childTnLst>
+                              <p:par>
+                                <p:cTn id="25" presetID="1" presetClass="entr" presetSubtype="0" fill="hold" grpId="0" nodeType="clickEffect">
+                                  <p:stCondLst>
+                                    <p:cond delay="0"/>
+                                  </p:stCondLst>
+                                  <p:childTnLst>
+                                    <p:set>
+                                      <p:cBhvr>
+                                        <p:cTn id="26" dur="1" fill="hold">
+                                          <p:stCondLst>
+                                            <p:cond delay="0"/>
+                                          </p:stCondLst>
+                                        </p:cTn>
+                                        <p:tgtEl>
+                                          <p:spTgt spid="9">
+                                            <p:txEl>
+                                              <p:pRg st="0" end="0"/>
+                                            </p:txEl>
+                                          </p:spTgt>
+                                        </p:tgtEl>
+                                        <p:attrNameLst>
+                                          <p:attrName>style.visibility</p:attrName>
+                                        </p:attrNameLst>
+                                      </p:cBhvr>
+                                      <p:to>
+                                        <p:strVal val="visible"/>
+                                      </p:to>
+                                    </p:set>
+                                  </p:childTnLst>
+                                </p:cTn>
+                              </p:par>
+                            </p:childTnLst>
+                          </p:cTn>
+                        </p:par>
+                      </p:childTnLst>
+                    </p:cTn>
+                  </p:par>
+                  <p:par>
+                    <p:cTn id="27" fill="hold">
+                      <p:stCondLst>
+                        <p:cond delay="indefinite"/>
+                      </p:stCondLst>
+                      <p:childTnLst>
+                        <p:par>
+                          <p:cTn id="28" fill="hold">
+                            <p:stCondLst>
+                              <p:cond delay="0"/>
+                            </p:stCondLst>
+                            <p:childTnLst>
+                              <p:par>
+                                <p:cTn id="29" presetID="1" presetClass="entr" presetSubtype="0" fill="hold" grpId="0" nodeType="clickEffect">
+                                  <p:stCondLst>
+                                    <p:cond delay="0"/>
+                                  </p:stCondLst>
+                                  <p:childTnLst>
+                                    <p:set>
+                                      <p:cBhvr>
+                                        <p:cTn id="30" dur="1" fill="hold">
+                                          <p:stCondLst>
+                                            <p:cond delay="0"/>
+                                          </p:stCondLst>
+                                        </p:cTn>
+                                        <p:tgtEl>
+                                          <p:spTgt spid="9">
+                                            <p:txEl>
+                                              <p:pRg st="1" end="1"/>
+                                            </p:txEl>
+                                          </p:spTgt>
+                                        </p:tgtEl>
+                                        <p:attrNameLst>
+                                          <p:attrName>style.visibility</p:attrName>
+                                        </p:attrNameLst>
+                                      </p:cBhvr>
+                                      <p:to>
+                                        <p:strVal val="visible"/>
+                                      </p:to>
+                                    </p:set>
+                                  </p:childTnLst>
+                                </p:cTn>
+                              </p:par>
+                            </p:childTnLst>
+                          </p:cTn>
+                        </p:par>
+                      </p:childTnLst>
+                    </p:cTn>
+                  </p:par>
+                  <p:par>
+                    <p:cTn id="31" fill="hold">
+                      <p:stCondLst>
+                        <p:cond delay="indefinite"/>
+                      </p:stCondLst>
+                      <p:childTnLst>
+                        <p:par>
+                          <p:cTn id="32" fill="hold">
+                            <p:stCondLst>
+                              <p:cond delay="0"/>
+                            </p:stCondLst>
+                            <p:childTnLst>
+                              <p:par>
+                                <p:cTn id="33" presetID="1" presetClass="entr" presetSubtype="0" fill="hold" grpId="0" nodeType="clickEffect">
+                                  <p:stCondLst>
+                                    <p:cond delay="0"/>
+                                  </p:stCondLst>
+                                  <p:childTnLst>
+                                    <p:set>
+                                      <p:cBhvr>
+                                        <p:cTn id="34" dur="1" fill="hold">
+                                          <p:stCondLst>
+                                            <p:cond delay="0"/>
+                                          </p:stCondLst>
+                                        </p:cTn>
+                                        <p:tgtEl>
+                                          <p:spTgt spid="9">
+                                            <p:txEl>
+                                              <p:pRg st="2" end="2"/>
+                                            </p:txEl>
+                                          </p:spTgt>
+                                        </p:tgtEl>
+                                        <p:attrNameLst>
+                                          <p:attrName>style.visibility</p:attrName>
+                                        </p:attrNameLst>
+                                      </p:cBhvr>
+                                      <p:to>
+                                        <p:strVal val="visible"/>
+                                      </p:to>
+                                    </p:set>
+                                  </p:childTnLst>
+                                </p:cTn>
+                              </p:par>
+                              <p:par>
+                                <p:cTn id="35" presetID="1" presetClass="entr" presetSubtype="0" fill="hold" grpId="0" nodeType="withEffect">
+                                  <p:stCondLst>
+                                    <p:cond delay="0"/>
+                                  </p:stCondLst>
+                                  <p:childTnLst>
+                                    <p:set>
+                                      <p:cBhvr>
+                                        <p:cTn id="36" dur="1" fill="hold">
+                                          <p:stCondLst>
+                                            <p:cond delay="0"/>
+                                          </p:stCondLst>
+                                        </p:cTn>
+                                        <p:tgtEl>
+                                          <p:spTgt spid="9">
+                                            <p:txEl>
+                                              <p:pRg st="3" end="3"/>
+                                            </p:txEl>
+                                          </p:spTgt>
+                                        </p:tgtEl>
+                                        <p:attrNameLst>
+                                          <p:attrName>style.visibility</p:attrName>
+                                        </p:attrNameLst>
+                                      </p:cBhvr>
+                                      <p:to>
+                                        <p:strVal val="visible"/>
+                                      </p:to>
+                                    </p:set>
+                                  </p:childTnLst>
+                                </p:cTn>
+                              </p:par>
+                            </p:childTnLst>
+                          </p:cTn>
+                        </p:par>
+                      </p:childTnLst>
+                    </p:cTn>
+                  </p:par>
+                </p:childTnLst>
+              </p:cTn>
+              <p:prevCondLst>
+                <p:cond evt="onPrev" delay="0">
+                  <p:tgtEl>
+                    <p:sldTgt/>
+                  </p:tgtEl>
+                </p:cond>
+              </p:prevCondLst>
+              <p:nextCondLst>
+                <p:cond evt="onNext" delay="0">
+                  <p:tgtEl>
+                    <p:sldTgt/>
+                  </p:tgtEl>
+                </p:cond>
+              </p:nextCondLst>
+            </p:seq>
+          </p:childTnLst>
+        </p:cTn>
+      </p:par>
+    </p:tnLst>
+    <p:bldLst>
+      <p:bldP spid="8" grpId="0" build="p"/>
+      <p:bldP spid="9" grpId="0" build="p"/>
+    </p:bldLst>
+  </p:timing>
 </p:sld>
 </file>
 
@@ -6435,6 +6868,279 @@
   <p:clrMapOvr>
     <a:masterClrMapping/>
   </p:clrMapOvr>
+  <p:timing>
+    <p:tnLst>
+      <p:par>
+        <p:cTn id="1" dur="indefinite" restart="never" nodeType="tmRoot">
+          <p:childTnLst>
+            <p:seq concurrent="1" nextAc="seek">
+              <p:cTn id="2" dur="indefinite" nodeType="mainSeq">
+                <p:childTnLst>
+                  <p:par>
+                    <p:cTn id="3" fill="hold">
+                      <p:stCondLst>
+                        <p:cond delay="indefinite"/>
+                      </p:stCondLst>
+                      <p:childTnLst>
+                        <p:par>
+                          <p:cTn id="4" fill="hold">
+                            <p:stCondLst>
+                              <p:cond delay="0"/>
+                            </p:stCondLst>
+                            <p:childTnLst>
+                              <p:par>
+                                <p:cTn id="5" presetID="1" presetClass="entr" presetSubtype="0" fill="hold" grpId="0" nodeType="clickEffect">
+                                  <p:stCondLst>
+                                    <p:cond delay="0"/>
+                                  </p:stCondLst>
+                                  <p:childTnLst>
+                                    <p:set>
+                                      <p:cBhvr>
+                                        <p:cTn id="6" dur="1" fill="hold">
+                                          <p:stCondLst>
+                                            <p:cond delay="0"/>
+                                          </p:stCondLst>
+                                        </p:cTn>
+                                        <p:tgtEl>
+                                          <p:spTgt spid="3">
+                                            <p:txEl>
+                                              <p:pRg st="0" end="0"/>
+                                            </p:txEl>
+                                          </p:spTgt>
+                                        </p:tgtEl>
+                                        <p:attrNameLst>
+                                          <p:attrName>style.visibility</p:attrName>
+                                        </p:attrNameLst>
+                                      </p:cBhvr>
+                                      <p:to>
+                                        <p:strVal val="visible"/>
+                                      </p:to>
+                                    </p:set>
+                                  </p:childTnLst>
+                                </p:cTn>
+                              </p:par>
+                              <p:par>
+                                <p:cTn id="7" presetID="1" presetClass="entr" presetSubtype="0" fill="hold" grpId="0" nodeType="withEffect">
+                                  <p:stCondLst>
+                                    <p:cond delay="0"/>
+                                  </p:stCondLst>
+                                  <p:childTnLst>
+                                    <p:set>
+                                      <p:cBhvr>
+                                        <p:cTn id="8" dur="1" fill="hold">
+                                          <p:stCondLst>
+                                            <p:cond delay="0"/>
+                                          </p:stCondLst>
+                                        </p:cTn>
+                                        <p:tgtEl>
+                                          <p:spTgt spid="3">
+                                            <p:txEl>
+                                              <p:pRg st="1" end="1"/>
+                                            </p:txEl>
+                                          </p:spTgt>
+                                        </p:tgtEl>
+                                        <p:attrNameLst>
+                                          <p:attrName>style.visibility</p:attrName>
+                                        </p:attrNameLst>
+                                      </p:cBhvr>
+                                      <p:to>
+                                        <p:strVal val="visible"/>
+                                      </p:to>
+                                    </p:set>
+                                  </p:childTnLst>
+                                </p:cTn>
+                              </p:par>
+                            </p:childTnLst>
+                          </p:cTn>
+                        </p:par>
+                      </p:childTnLst>
+                    </p:cTn>
+                  </p:par>
+                  <p:par>
+                    <p:cTn id="9" fill="hold">
+                      <p:stCondLst>
+                        <p:cond delay="indefinite"/>
+                      </p:stCondLst>
+                      <p:childTnLst>
+                        <p:par>
+                          <p:cTn id="10" fill="hold">
+                            <p:stCondLst>
+                              <p:cond delay="0"/>
+                            </p:stCondLst>
+                            <p:childTnLst>
+                              <p:par>
+                                <p:cTn id="11" presetID="1" presetClass="entr" presetSubtype="0" fill="hold" grpId="0" nodeType="clickEffect">
+                                  <p:stCondLst>
+                                    <p:cond delay="0"/>
+                                  </p:stCondLst>
+                                  <p:childTnLst>
+                                    <p:set>
+                                      <p:cBhvr>
+                                        <p:cTn id="12" dur="1" fill="hold">
+                                          <p:stCondLst>
+                                            <p:cond delay="0"/>
+                                          </p:stCondLst>
+                                        </p:cTn>
+                                        <p:tgtEl>
+                                          <p:spTgt spid="3">
+                                            <p:txEl>
+                                              <p:pRg st="2" end="2"/>
+                                            </p:txEl>
+                                          </p:spTgt>
+                                        </p:tgtEl>
+                                        <p:attrNameLst>
+                                          <p:attrName>style.visibility</p:attrName>
+                                        </p:attrNameLst>
+                                      </p:cBhvr>
+                                      <p:to>
+                                        <p:strVal val="visible"/>
+                                      </p:to>
+                                    </p:set>
+                                  </p:childTnLst>
+                                </p:cTn>
+                              </p:par>
+                              <p:par>
+                                <p:cTn id="13" presetID="1" presetClass="entr" presetSubtype="0" fill="hold" grpId="0" nodeType="withEffect">
+                                  <p:stCondLst>
+                                    <p:cond delay="0"/>
+                                  </p:stCondLst>
+                                  <p:childTnLst>
+                                    <p:set>
+                                      <p:cBhvr>
+                                        <p:cTn id="14" dur="1" fill="hold">
+                                          <p:stCondLst>
+                                            <p:cond delay="0"/>
+                                          </p:stCondLst>
+                                        </p:cTn>
+                                        <p:tgtEl>
+                                          <p:spTgt spid="3">
+                                            <p:txEl>
+                                              <p:pRg st="3" end="3"/>
+                                            </p:txEl>
+                                          </p:spTgt>
+                                        </p:tgtEl>
+                                        <p:attrNameLst>
+                                          <p:attrName>style.visibility</p:attrName>
+                                        </p:attrNameLst>
+                                      </p:cBhvr>
+                                      <p:to>
+                                        <p:strVal val="visible"/>
+                                      </p:to>
+                                    </p:set>
+                                  </p:childTnLst>
+                                </p:cTn>
+                              </p:par>
+                            </p:childTnLst>
+                          </p:cTn>
+                        </p:par>
+                      </p:childTnLst>
+                    </p:cTn>
+                  </p:par>
+                  <p:par>
+                    <p:cTn id="15" fill="hold">
+                      <p:stCondLst>
+                        <p:cond delay="indefinite"/>
+                      </p:stCondLst>
+                      <p:childTnLst>
+                        <p:par>
+                          <p:cTn id="16" fill="hold">
+                            <p:stCondLst>
+                              <p:cond delay="0"/>
+                            </p:stCondLst>
+                            <p:childTnLst>
+                              <p:par>
+                                <p:cTn id="17" presetID="1" presetClass="entr" presetSubtype="0" fill="hold" grpId="0" nodeType="clickEffect">
+                                  <p:stCondLst>
+                                    <p:cond delay="0"/>
+                                  </p:stCondLst>
+                                  <p:childTnLst>
+                                    <p:set>
+                                      <p:cBhvr>
+                                        <p:cTn id="18" dur="1" fill="hold">
+                                          <p:stCondLst>
+                                            <p:cond delay="0"/>
+                                          </p:stCondLst>
+                                        </p:cTn>
+                                        <p:tgtEl>
+                                          <p:spTgt spid="3">
+                                            <p:txEl>
+                                              <p:pRg st="4" end="4"/>
+                                            </p:txEl>
+                                          </p:spTgt>
+                                        </p:tgtEl>
+                                        <p:attrNameLst>
+                                          <p:attrName>style.visibility</p:attrName>
+                                        </p:attrNameLst>
+                                      </p:cBhvr>
+                                      <p:to>
+                                        <p:strVal val="visible"/>
+                                      </p:to>
+                                    </p:set>
+                                  </p:childTnLst>
+                                </p:cTn>
+                              </p:par>
+                              <p:par>
+                                <p:cTn id="19" presetID="1" presetClass="entr" presetSubtype="0" fill="hold" grpId="0" nodeType="withEffect">
+                                  <p:stCondLst>
+                                    <p:cond delay="0"/>
+                                  </p:stCondLst>
+                                  <p:childTnLst>
+                                    <p:set>
+                                      <p:cBhvr>
+                                        <p:cTn id="20" dur="1" fill="hold">
+                                          <p:stCondLst>
+                                            <p:cond delay="0"/>
+                                          </p:stCondLst>
+                                        </p:cTn>
+                                        <p:tgtEl>
+                                          <p:spTgt spid="3">
+                                            <p:txEl>
+                                              <p:pRg st="5" end="5"/>
+                                            </p:txEl>
+                                          </p:spTgt>
+                                        </p:tgtEl>
+                                        <p:attrNameLst>
+                                          <p:attrName>style.visibility</p:attrName>
+                                        </p:attrNameLst>
+                                      </p:cBhvr>
+                                      <p:to>
+                                        <p:strVal val="visible"/>
+                                      </p:to>
+                                    </p:set>
+                                  </p:childTnLst>
+                                </p:cTn>
+                              </p:par>
+                            </p:childTnLst>
+                          </p:cTn>
+                        </p:par>
+                      </p:childTnLst>
+                    </p:cTn>
+                  </p:par>
+                </p:childTnLst>
+              </p:cTn>
+              <p:prevCondLst>
+                <p:cond evt="onPrev" delay="0">
+                  <p:tgtEl>
+                    <p:sldTgt/>
+                  </p:tgtEl>
+                </p:cond>
+              </p:prevCondLst>
+              <p:nextCondLst>
+                <p:cond evt="onNext" delay="0">
+                  <p:tgtEl>
+                    <p:sldTgt/>
+                  </p:tgtEl>
+                </p:cond>
+              </p:nextCondLst>
+            </p:seq>
+          </p:childTnLst>
+        </p:cTn>
+      </p:par>
+    </p:tnLst>
+    <p:bldLst>
+      <p:bldP spid="3" grpId="0" build="p"/>
+    </p:bldLst>
+  </p:timing>
 </p:sld>
 </file>
 
@@ -6552,7 +7258,7 @@
           <p:cNvPr id="2" name="Titel 1">
             <a:extLst>
               <a:ext uri="{FF2B5EF4-FFF2-40B4-BE49-F238E27FC236}">
-                <a16:creationId xmlns:a16="http://schemas.microsoft.com/office/drawing/2014/main" id="{D06ECF68-7165-4B9F-B508-85813B2A3028}"/>
+                <a16:creationId xmlns:a16="http://schemas.microsoft.com/office/drawing/2014/main" id="{9D855E14-5705-40FC-BFAE-A21F2C419CFA}"/>
               </a:ext>
             </a:extLst>
           </p:cNvPr>
@@ -6570,11 +7276,7 @@
           <a:p>
             <a:r>
               <a:rPr lang="de-DE" dirty="0"/>
-              <a:t>.</a:t>
-            </a:r>
-            <a:r>
-              <a:rPr lang="de-DE" dirty="0" err="1"/>
-              <a:t>gitignore</a:t>
+              <a:t>Wichtigste befehle</a:t>
             </a:r>
             <a:endParaRPr lang="de-AT" dirty="0"/>
           </a:p>
@@ -6585,7 +7287,7 @@
           <p:cNvPr id="3" name="Inhaltsplatzhalter 2">
             <a:extLst>
               <a:ext uri="{FF2B5EF4-FFF2-40B4-BE49-F238E27FC236}">
-                <a16:creationId xmlns:a16="http://schemas.microsoft.com/office/drawing/2014/main" id="{00B58BDC-7DB9-4254-AA44-6E53F5919E59}"/>
+                <a16:creationId xmlns:a16="http://schemas.microsoft.com/office/drawing/2014/main" id="{B4D3C100-48D5-4AA4-B2AE-FD23478AEDA9}"/>
               </a:ext>
             </a:extLst>
           </p:cNvPr>
@@ -6603,87 +7305,378 @@
           <a:p>
             <a:r>
               <a:rPr lang="de-DE" dirty="0"/>
-              <a:t>Dateien mit nur lokaler Bedeutung die nicht versioniert werden sollen, können in einer .</a:t>
-            </a:r>
-            <a:r>
-              <a:rPr lang="de-DE" dirty="0" err="1"/>
-              <a:t>gitignore</a:t>
-            </a:r>
+              <a:t>Clone</a:t>
+            </a:r>
+          </a:p>
+          <a:p>
             <a:r>
               <a:rPr lang="de-DE" dirty="0"/>
-              <a:t> </a:t>
-            </a:r>
-            <a:r>
-              <a:rPr lang="de-DE" dirty="0" err="1"/>
-              <a:t>datei</a:t>
-            </a:r>
+              <a:t>Pull</a:t>
+            </a:r>
+          </a:p>
+          <a:p>
             <a:r>
               <a:rPr lang="de-DE" dirty="0"/>
-              <a:t> gespeichert werden. Sie werden dann von den </a:t>
-            </a:r>
-            <a:r>
-              <a:rPr lang="de-DE" dirty="0" err="1"/>
-              <a:t>Git</a:t>
-            </a:r>
+              <a:t>Push</a:t>
+            </a:r>
+          </a:p>
+          <a:p>
             <a:r>
               <a:rPr lang="de-DE" dirty="0"/>
-              <a:t>-Befehlen</a:t>
+              <a:t>Commit</a:t>
             </a:r>
           </a:p>
           <a:p>
             <a:r>
               <a:rPr lang="de-DE" dirty="0"/>
-              <a:t>Diese Datei ist dann im Repo gespeichert und ist bei allen gleich </a:t>
+              <a:t>Branch</a:t>
             </a:r>
           </a:p>
           <a:p>
             <a:r>
               <a:rPr lang="de-DE" dirty="0"/>
-              <a:t>Beispiel:</a:t>
-            </a:r>
-          </a:p>
-          <a:p>
-            <a:pPr lvl="1"/>
-            <a:r>
-              <a:rPr lang="de-DE" dirty="0"/>
-              <a:t>*.log -&gt; es werden alle .log Dateien ignoriert</a:t>
-            </a:r>
-          </a:p>
-          <a:p>
-            <a:pPr lvl="1"/>
-            <a:r>
-              <a:rPr lang="de-DE" dirty="0"/>
-              <a:t>Mit &lt;</a:t>
-            </a:r>
-            <a:r>
-              <a:rPr lang="de-DE" dirty="0" err="1"/>
-              <a:t>verzeichnisname</a:t>
-            </a:r>
-            <a:r>
-              <a:rPr lang="de-DE" dirty="0"/>
-              <a:t>&gt;/* werden alle Dateien im Verzeichnis ignoriert</a:t>
-            </a:r>
-          </a:p>
-          <a:p>
-            <a:pPr lvl="1"/>
-            <a:r>
-              <a:rPr lang="de-DE" dirty="0"/>
-              <a:t>Mit # können Kommentare hinzugefügt werden</a:t>
-            </a:r>
-            <a:endParaRPr lang="de-AT" dirty="0"/>
+              <a:t>Status</a:t>
+            </a:r>
           </a:p>
         </p:txBody>
       </p:sp>
     </p:spTree>
     <p:extLst>
       <p:ext uri="{BB962C8B-B14F-4D97-AF65-F5344CB8AC3E}">
-        <p14:creationId xmlns:p14="http://schemas.microsoft.com/office/powerpoint/2010/main" val="3493854330"/>
+        <p14:creationId xmlns:p14="http://schemas.microsoft.com/office/powerpoint/2010/main" val="2371021652"/>
       </p:ext>
     </p:extLst>
   </p:cSld>
   <p:clrMapOvr>
     <a:masterClrMapping/>
   </p:clrMapOvr>
+  <p:timing>
+    <p:tnLst>
+      <p:par>
+        <p:cTn id="1" dur="indefinite" restart="never" nodeType="tmRoot">
+          <p:childTnLst>
+            <p:seq concurrent="1" nextAc="seek">
+              <p:cTn id="2" dur="indefinite" nodeType="mainSeq">
+                <p:childTnLst>
+                  <p:par>
+                    <p:cTn id="3" fill="hold">
+                      <p:stCondLst>
+                        <p:cond delay="indefinite"/>
+                      </p:stCondLst>
+                      <p:childTnLst>
+                        <p:par>
+                          <p:cTn id="4" fill="hold">
+                            <p:stCondLst>
+                              <p:cond delay="0"/>
+                            </p:stCondLst>
+                            <p:childTnLst>
+                              <p:par>
+                                <p:cTn id="5" presetID="1" presetClass="entr" presetSubtype="0" fill="hold" grpId="0" nodeType="clickEffect">
+                                  <p:stCondLst>
+                                    <p:cond delay="0"/>
+                                  </p:stCondLst>
+                                  <p:childTnLst>
+                                    <p:set>
+                                      <p:cBhvr>
+                                        <p:cTn id="6" dur="1" fill="hold">
+                                          <p:stCondLst>
+                                            <p:cond delay="0"/>
+                                          </p:stCondLst>
+                                        </p:cTn>
+                                        <p:tgtEl>
+                                          <p:spTgt spid="3">
+                                            <p:txEl>
+                                              <p:pRg st="0" end="0"/>
+                                            </p:txEl>
+                                          </p:spTgt>
+                                        </p:tgtEl>
+                                        <p:attrNameLst>
+                                          <p:attrName>style.visibility</p:attrName>
+                                        </p:attrNameLst>
+                                      </p:cBhvr>
+                                      <p:to>
+                                        <p:strVal val="visible"/>
+                                      </p:to>
+                                    </p:set>
+                                  </p:childTnLst>
+                                </p:cTn>
+                              </p:par>
+                            </p:childTnLst>
+                          </p:cTn>
+                        </p:par>
+                      </p:childTnLst>
+                    </p:cTn>
+                  </p:par>
+                  <p:par>
+                    <p:cTn id="7" fill="hold">
+                      <p:stCondLst>
+                        <p:cond delay="indefinite"/>
+                      </p:stCondLst>
+                      <p:childTnLst>
+                        <p:par>
+                          <p:cTn id="8" fill="hold">
+                            <p:stCondLst>
+                              <p:cond delay="0"/>
+                            </p:stCondLst>
+                            <p:childTnLst>
+                              <p:par>
+                                <p:cTn id="9" presetID="1" presetClass="entr" presetSubtype="0" fill="hold" grpId="0" nodeType="clickEffect">
+                                  <p:stCondLst>
+                                    <p:cond delay="0"/>
+                                  </p:stCondLst>
+                                  <p:childTnLst>
+                                    <p:set>
+                                      <p:cBhvr>
+                                        <p:cTn id="10" dur="1" fill="hold">
+                                          <p:stCondLst>
+                                            <p:cond delay="0"/>
+                                          </p:stCondLst>
+                                        </p:cTn>
+                                        <p:tgtEl>
+                                          <p:spTgt spid="3">
+                                            <p:txEl>
+                                              <p:pRg st="1" end="1"/>
+                                            </p:txEl>
+                                          </p:spTgt>
+                                        </p:tgtEl>
+                                        <p:attrNameLst>
+                                          <p:attrName>style.visibility</p:attrName>
+                                        </p:attrNameLst>
+                                      </p:cBhvr>
+                                      <p:to>
+                                        <p:strVal val="visible"/>
+                                      </p:to>
+                                    </p:set>
+                                  </p:childTnLst>
+                                </p:cTn>
+                              </p:par>
+                            </p:childTnLst>
+                          </p:cTn>
+                        </p:par>
+                      </p:childTnLst>
+                    </p:cTn>
+                  </p:par>
+                  <p:par>
+                    <p:cTn id="11" fill="hold">
+                      <p:stCondLst>
+                        <p:cond delay="indefinite"/>
+                      </p:stCondLst>
+                      <p:childTnLst>
+                        <p:par>
+                          <p:cTn id="12" fill="hold">
+                            <p:stCondLst>
+                              <p:cond delay="0"/>
+                            </p:stCondLst>
+                            <p:childTnLst>
+                              <p:par>
+                                <p:cTn id="13" presetID="1" presetClass="entr" presetSubtype="0" fill="hold" grpId="0" nodeType="clickEffect">
+                                  <p:stCondLst>
+                                    <p:cond delay="0"/>
+                                  </p:stCondLst>
+                                  <p:childTnLst>
+                                    <p:set>
+                                      <p:cBhvr>
+                                        <p:cTn id="14" dur="1" fill="hold">
+                                          <p:stCondLst>
+                                            <p:cond delay="0"/>
+                                          </p:stCondLst>
+                                        </p:cTn>
+                                        <p:tgtEl>
+                                          <p:spTgt spid="3">
+                                            <p:txEl>
+                                              <p:pRg st="2" end="2"/>
+                                            </p:txEl>
+                                          </p:spTgt>
+                                        </p:tgtEl>
+                                        <p:attrNameLst>
+                                          <p:attrName>style.visibility</p:attrName>
+                                        </p:attrNameLst>
+                                      </p:cBhvr>
+                                      <p:to>
+                                        <p:strVal val="visible"/>
+                                      </p:to>
+                                    </p:set>
+                                  </p:childTnLst>
+                                </p:cTn>
+                              </p:par>
+                            </p:childTnLst>
+                          </p:cTn>
+                        </p:par>
+                      </p:childTnLst>
+                    </p:cTn>
+                  </p:par>
+                  <p:par>
+                    <p:cTn id="15" fill="hold">
+                      <p:stCondLst>
+                        <p:cond delay="indefinite"/>
+                      </p:stCondLst>
+                      <p:childTnLst>
+                        <p:par>
+                          <p:cTn id="16" fill="hold">
+                            <p:stCondLst>
+                              <p:cond delay="0"/>
+                            </p:stCondLst>
+                            <p:childTnLst>
+                              <p:par>
+                                <p:cTn id="17" presetID="1" presetClass="entr" presetSubtype="0" fill="hold" grpId="0" nodeType="clickEffect">
+                                  <p:stCondLst>
+                                    <p:cond delay="0"/>
+                                  </p:stCondLst>
+                                  <p:childTnLst>
+                                    <p:set>
+                                      <p:cBhvr>
+                                        <p:cTn id="18" dur="1" fill="hold">
+                                          <p:stCondLst>
+                                            <p:cond delay="0"/>
+                                          </p:stCondLst>
+                                        </p:cTn>
+                                        <p:tgtEl>
+                                          <p:spTgt spid="3">
+                                            <p:txEl>
+                                              <p:pRg st="3" end="3"/>
+                                            </p:txEl>
+                                          </p:spTgt>
+                                        </p:tgtEl>
+                                        <p:attrNameLst>
+                                          <p:attrName>style.visibility</p:attrName>
+                                        </p:attrNameLst>
+                                      </p:cBhvr>
+                                      <p:to>
+                                        <p:strVal val="visible"/>
+                                      </p:to>
+                                    </p:set>
+                                  </p:childTnLst>
+                                </p:cTn>
+                              </p:par>
+                            </p:childTnLst>
+                          </p:cTn>
+                        </p:par>
+                      </p:childTnLst>
+                    </p:cTn>
+                  </p:par>
+                  <p:par>
+                    <p:cTn id="19" fill="hold">
+                      <p:stCondLst>
+                        <p:cond delay="indefinite"/>
+                      </p:stCondLst>
+                      <p:childTnLst>
+                        <p:par>
+                          <p:cTn id="20" fill="hold">
+                            <p:stCondLst>
+                              <p:cond delay="0"/>
+                            </p:stCondLst>
+                            <p:childTnLst>
+                              <p:par>
+                                <p:cTn id="21" presetID="1" presetClass="entr" presetSubtype="0" fill="hold" grpId="0" nodeType="clickEffect">
+                                  <p:stCondLst>
+                                    <p:cond delay="0"/>
+                                  </p:stCondLst>
+                                  <p:childTnLst>
+                                    <p:set>
+                                      <p:cBhvr>
+                                        <p:cTn id="22" dur="1" fill="hold">
+                                          <p:stCondLst>
+                                            <p:cond delay="0"/>
+                                          </p:stCondLst>
+                                        </p:cTn>
+                                        <p:tgtEl>
+                                          <p:spTgt spid="3">
+                                            <p:txEl>
+                                              <p:pRg st="4" end="4"/>
+                                            </p:txEl>
+                                          </p:spTgt>
+                                        </p:tgtEl>
+                                        <p:attrNameLst>
+                                          <p:attrName>style.visibility</p:attrName>
+                                        </p:attrNameLst>
+                                      </p:cBhvr>
+                                      <p:to>
+                                        <p:strVal val="visible"/>
+                                      </p:to>
+                                    </p:set>
+                                  </p:childTnLst>
+                                </p:cTn>
+                              </p:par>
+                            </p:childTnLst>
+                          </p:cTn>
+                        </p:par>
+                      </p:childTnLst>
+                    </p:cTn>
+                  </p:par>
+                  <p:par>
+                    <p:cTn id="23" fill="hold">
+                      <p:stCondLst>
+                        <p:cond delay="indefinite"/>
+                      </p:stCondLst>
+                      <p:childTnLst>
+                        <p:par>
+                          <p:cTn id="24" fill="hold">
+                            <p:stCondLst>
+                              <p:cond delay="0"/>
+                            </p:stCondLst>
+                            <p:childTnLst>
+                              <p:par>
+                                <p:cTn id="25" presetID="1" presetClass="entr" presetSubtype="0" fill="hold" grpId="0" nodeType="clickEffect">
+                                  <p:stCondLst>
+                                    <p:cond delay="0"/>
+                                  </p:stCondLst>
+                                  <p:childTnLst>
+                                    <p:set>
+                                      <p:cBhvr>
+                                        <p:cTn id="26" dur="1" fill="hold">
+                                          <p:stCondLst>
+                                            <p:cond delay="0"/>
+                                          </p:stCondLst>
+                                        </p:cTn>
+                                        <p:tgtEl>
+                                          <p:spTgt spid="3">
+                                            <p:txEl>
+                                              <p:pRg st="5" end="5"/>
+                                            </p:txEl>
+                                          </p:spTgt>
+                                        </p:tgtEl>
+                                        <p:attrNameLst>
+                                          <p:attrName>style.visibility</p:attrName>
+                                        </p:attrNameLst>
+                                      </p:cBhvr>
+                                      <p:to>
+                                        <p:strVal val="visible"/>
+                                      </p:to>
+                                    </p:set>
+                                  </p:childTnLst>
+                                </p:cTn>
+                              </p:par>
+                            </p:childTnLst>
+                          </p:cTn>
+                        </p:par>
+                      </p:childTnLst>
+                    </p:cTn>
+                  </p:par>
+                </p:childTnLst>
+              </p:cTn>
+              <p:prevCondLst>
+                <p:cond evt="onPrev" delay="0">
+                  <p:tgtEl>
+                    <p:sldTgt/>
+                  </p:tgtEl>
+                </p:cond>
+              </p:prevCondLst>
+              <p:nextCondLst>
+                <p:cond evt="onNext" delay="0">
+                  <p:tgtEl>
+                    <p:sldTgt/>
+                  </p:tgtEl>
+                </p:cond>
+              </p:nextCondLst>
+            </p:seq>
+          </p:childTnLst>
+        </p:cTn>
+      </p:par>
+    </p:tnLst>
+    <p:bldLst>
+      <p:bldP spid="3" grpId="0" build="p"/>
+    </p:bldLst>
+  </p:timing>
 </p:sld>
 </file>
 
@@ -6709,7 +7702,7 @@
           <p:cNvPr id="2" name="Titel 1">
             <a:extLst>
               <a:ext uri="{FF2B5EF4-FFF2-40B4-BE49-F238E27FC236}">
-                <a16:creationId xmlns:a16="http://schemas.microsoft.com/office/drawing/2014/main" id="{9D855E14-5705-40FC-BFAE-A21F2C419CFA}"/>
+                <a16:creationId xmlns:a16="http://schemas.microsoft.com/office/drawing/2014/main" id="{8133540D-D818-4C84-A45C-8CA3CA669807}"/>
               </a:ext>
             </a:extLst>
           </p:cNvPr>
@@ -6726,8 +7719,16 @@
           <a:lstStyle/>
           <a:p>
             <a:r>
+              <a:rPr lang="de-DE" dirty="0" err="1"/>
+              <a:t>Github</a:t>
+            </a:r>
+            <a:r>
               <a:rPr lang="de-DE" dirty="0"/>
-              <a:t>Wichtigste befehle</a:t>
+              <a:t> </a:t>
+            </a:r>
+            <a:r>
+              <a:rPr lang="de-DE" dirty="0" err="1"/>
+              <a:t>desktop</a:t>
             </a:r>
             <a:endParaRPr lang="de-AT" dirty="0"/>
           </a:p>
@@ -6738,7 +7739,7 @@
           <p:cNvPr id="3" name="Inhaltsplatzhalter 2">
             <a:extLst>
               <a:ext uri="{FF2B5EF4-FFF2-40B4-BE49-F238E27FC236}">
-                <a16:creationId xmlns:a16="http://schemas.microsoft.com/office/drawing/2014/main" id="{B4D3C100-48D5-4AA4-B2AE-FD23478AEDA9}"/>
+                <a16:creationId xmlns:a16="http://schemas.microsoft.com/office/drawing/2014/main" id="{B6F4A607-9F39-40EE-8D59-C19CBF35AB1D}"/>
               </a:ext>
             </a:extLst>
           </p:cNvPr>
@@ -6756,45 +7757,16 @@
           <a:p>
             <a:r>
               <a:rPr lang="de-DE" dirty="0"/>
-              <a:t>Clone</a:t>
-            </a:r>
-          </a:p>
-          <a:p>
-            <a:r>
-              <a:rPr lang="de-DE" dirty="0"/>
-              <a:t>Pull</a:t>
-            </a:r>
-          </a:p>
-          <a:p>
-            <a:r>
-              <a:rPr lang="de-DE" dirty="0"/>
-              <a:t>Push</a:t>
-            </a:r>
-          </a:p>
-          <a:p>
-            <a:r>
-              <a:rPr lang="de-DE" dirty="0"/>
-              <a:t>Commit</a:t>
-            </a:r>
-          </a:p>
-          <a:p>
-            <a:r>
-              <a:rPr lang="de-DE" dirty="0"/>
-              <a:t>Branch</a:t>
-            </a:r>
-          </a:p>
-          <a:p>
-            <a:r>
-              <a:rPr lang="de-DE" dirty="0"/>
-              <a:t>Status</a:t>
-            </a:r>
+              <a:t>Demonstration</a:t>
+            </a:r>
+            <a:endParaRPr lang="de-AT" dirty="0"/>
           </a:p>
         </p:txBody>
       </p:sp>
     </p:spTree>
     <p:extLst>
       <p:ext uri="{BB962C8B-B14F-4D97-AF65-F5344CB8AC3E}">
-        <p14:creationId xmlns:p14="http://schemas.microsoft.com/office/powerpoint/2010/main" val="2371021652"/>
+        <p14:creationId xmlns:p14="http://schemas.microsoft.com/office/powerpoint/2010/main" val="450999110"/>
       </p:ext>
     </p:extLst>
   </p:cSld>
@@ -6826,7 +7798,7 @@
           <p:cNvPr id="2" name="Titel 1">
             <a:extLst>
               <a:ext uri="{FF2B5EF4-FFF2-40B4-BE49-F238E27FC236}">
-                <a16:creationId xmlns:a16="http://schemas.microsoft.com/office/drawing/2014/main" id="{8133540D-D818-4C84-A45C-8CA3CA669807}"/>
+                <a16:creationId xmlns:a16="http://schemas.microsoft.com/office/drawing/2014/main" id="{D06ECF68-7165-4B9F-B508-85813B2A3028}"/>
               </a:ext>
             </a:extLst>
           </p:cNvPr>
@@ -6843,16 +7815,12 @@
           <a:lstStyle/>
           <a:p>
             <a:r>
+              <a:rPr lang="de-DE" dirty="0"/>
+              <a:t>.</a:t>
+            </a:r>
+            <a:r>
               <a:rPr lang="de-DE" dirty="0" err="1"/>
-              <a:t>Github</a:t>
-            </a:r>
-            <a:r>
-              <a:rPr lang="de-DE" dirty="0"/>
-              <a:t> </a:t>
-            </a:r>
-            <a:r>
-              <a:rPr lang="de-DE" dirty="0" err="1"/>
-              <a:t>desktop</a:t>
+              <a:t>gitignore</a:t>
             </a:r>
             <a:endParaRPr lang="de-AT" dirty="0"/>
           </a:p>
@@ -6863,7 +7831,7 @@
           <p:cNvPr id="3" name="Inhaltsplatzhalter 2">
             <a:extLst>
               <a:ext uri="{FF2B5EF4-FFF2-40B4-BE49-F238E27FC236}">
-                <a16:creationId xmlns:a16="http://schemas.microsoft.com/office/drawing/2014/main" id="{B6F4A607-9F39-40EE-8D59-C19CBF35AB1D}"/>
+                <a16:creationId xmlns:a16="http://schemas.microsoft.com/office/drawing/2014/main" id="{00B58BDC-7DB9-4254-AA44-6E53F5919E59}"/>
               </a:ext>
             </a:extLst>
           </p:cNvPr>
@@ -6881,7 +7849,48 @@
           <a:p>
             <a:r>
               <a:rPr lang="de-DE" dirty="0"/>
-              <a:t>Demonstration</a:t>
+              <a:t>Dateien können als „nicht versionieren“ gekennzeichnet werden</a:t>
+            </a:r>
+          </a:p>
+          <a:p>
+            <a:r>
+              <a:rPr lang="de-DE" dirty="0"/>
+              <a:t>Diese Datei ist dann im Repo gespeichert und ist bei allen gleich </a:t>
+            </a:r>
+          </a:p>
+          <a:p>
+            <a:r>
+              <a:rPr lang="de-DE" dirty="0"/>
+              <a:t>Beispiel:</a:t>
+            </a:r>
+          </a:p>
+          <a:p>
+            <a:pPr lvl="1"/>
+            <a:r>
+              <a:rPr lang="de-DE" dirty="0"/>
+              <a:t>*.log -&gt; es werden alle .log Dateien ignoriert</a:t>
+            </a:r>
+          </a:p>
+          <a:p>
+            <a:pPr lvl="1"/>
+            <a:r>
+              <a:rPr lang="de-DE" dirty="0"/>
+              <a:t>Mit &lt;</a:t>
+            </a:r>
+            <a:r>
+              <a:rPr lang="de-DE" dirty="0" err="1"/>
+              <a:t>verzeichnisname</a:t>
+            </a:r>
+            <a:r>
+              <a:rPr lang="de-DE" dirty="0"/>
+              <a:t>&gt;/* werden alle Dateien im Verzeichnis ignoriert</a:t>
+            </a:r>
+          </a:p>
+          <a:p>
+            <a:pPr lvl="1"/>
+            <a:r>
+              <a:rPr lang="de-DE" dirty="0"/>
+              <a:t>Mit # können Kommentare hinzugefügt werden</a:t>
             </a:r>
             <a:endParaRPr lang="de-AT" dirty="0"/>
           </a:p>
@@ -6890,7 +7899,7 @@
     </p:spTree>
     <p:extLst>
       <p:ext uri="{BB962C8B-B14F-4D97-AF65-F5344CB8AC3E}">
-        <p14:creationId xmlns:p14="http://schemas.microsoft.com/office/powerpoint/2010/main" val="450999110"/>
+        <p14:creationId xmlns:p14="http://schemas.microsoft.com/office/powerpoint/2010/main" val="3493854330"/>
       </p:ext>
     </p:extLst>
   </p:cSld>

--- a/3aAPC/DUK/Github.pptx
+++ b/3aAPC/DUK/Github.pptx
@@ -810,7 +810,37 @@
           <a:bodyPr/>
           <a:lstStyle/>
           <a:p>
-            <a:endParaRPr lang="de-DE"/>
+            <a:r>
+              <a:rPr lang="de-DE" dirty="0"/>
+              <a:t>Arctic Code </a:t>
+            </a:r>
+            <a:r>
+              <a:rPr lang="de-DE" dirty="0" err="1"/>
+              <a:t>Vault</a:t>
+            </a:r>
+            <a:endParaRPr lang="de-DE" dirty="0"/>
+          </a:p>
+          <a:p>
+            <a:r>
+              <a:rPr lang="de-DE" dirty="0"/>
+              <a:t>2020 100 Millionen öffentliche </a:t>
+            </a:r>
+            <a:r>
+              <a:rPr lang="de-DE" dirty="0" err="1"/>
+              <a:t>repos</a:t>
+            </a:r>
+            <a:r>
+              <a:rPr lang="de-DE" dirty="0"/>
+              <a:t> in </a:t>
+            </a:r>
+            <a:r>
+              <a:rPr lang="de-DE" dirty="0" err="1"/>
+              <a:t>Spitzbergener</a:t>
+            </a:r>
+            <a:r>
+              <a:rPr lang="de-DE" dirty="0"/>
+              <a:t> Mine archiviert</a:t>
+            </a:r>
           </a:p>
         </p:txBody>
       </p:sp>
@@ -5945,7 +5975,7 @@
         <p:spPr/>
         <p:txBody>
           <a:bodyPr>
-            <a:normAutofit lnSpcReduction="10000"/>
+            <a:normAutofit/>
           </a:bodyPr>
           <a:lstStyle/>
           <a:p>
@@ -6013,20 +6043,9 @@
               <a:t>Mio</a:t>
             </a:r>
             <a:r>
-              <a:rPr lang="de-DE" sz="2200" dirty="0"/>
-              <a:t>$ (222,775 </a:t>
-            </a:r>
-            <a:r>
-              <a:rPr lang="de-DE" sz="2200" dirty="0" err="1"/>
-              <a:t>Mio</a:t>
-            </a:r>
-            <a:r>
-              <a:rPr lang="de-DE" sz="2200" dirty="0"/>
-              <a:t> €)</a:t>
-            </a:r>
-          </a:p>
-          <a:p>
-            <a:pPr lvl="1"/>
+              <a:rPr lang="de-DE" sz="2200"/>
+              <a:t>$</a:t>
+            </a:r>
             <a:endParaRPr lang="de-DE" dirty="0"/>
           </a:p>
         </p:txBody>
@@ -6050,7 +6069,7 @@
         <p:spPr/>
         <p:txBody>
           <a:bodyPr>
-            <a:normAutofit lnSpcReduction="10000"/>
+            <a:normAutofit/>
           </a:bodyPr>
           <a:lstStyle/>
           <a:p>
